--- a/docs/diagrams/AugustineScreenshots.pptx
+++ b/docs/diagrams/AugustineScreenshots.pptx
@@ -214,7 +214,7 @@
           <a:p>
             <a:fld id="{28EC9818-C327-CC40-B820-9F7F48724DDD}" type="datetimeFigureOut">
               <a:rPr lang="en-US" smtClean="0"/>
-              <a:t>11/11/17</a:t>
+              <a:t>11/12/17</a:t>
             </a:fld>
             <a:endParaRPr lang="en-US"/>
           </a:p>
@@ -697,7 +697,7 @@
           <a:p>
             <a:fld id="{47C4DD9D-6B8F-4E4F-96DC-5796E87CD0A8}" type="datetimeFigureOut">
               <a:rPr lang="en-US" smtClean="0"/>
-              <a:t>11/11/17</a:t>
+              <a:t>11/12/17</a:t>
             </a:fld>
             <a:endParaRPr lang="en-US"/>
           </a:p>
@@ -867,7 +867,7 @@
           <a:p>
             <a:fld id="{47C4DD9D-6B8F-4E4F-96DC-5796E87CD0A8}" type="datetimeFigureOut">
               <a:rPr lang="en-US" smtClean="0"/>
-              <a:t>11/11/17</a:t>
+              <a:t>11/12/17</a:t>
             </a:fld>
             <a:endParaRPr lang="en-US"/>
           </a:p>
@@ -1047,7 +1047,7 @@
           <a:p>
             <a:fld id="{47C4DD9D-6B8F-4E4F-96DC-5796E87CD0A8}" type="datetimeFigureOut">
               <a:rPr lang="en-US" smtClean="0"/>
-              <a:t>11/11/17</a:t>
+              <a:t>11/12/17</a:t>
             </a:fld>
             <a:endParaRPr lang="en-US"/>
           </a:p>
@@ -1217,7 +1217,7 @@
           <a:p>
             <a:fld id="{47C4DD9D-6B8F-4E4F-96DC-5796E87CD0A8}" type="datetimeFigureOut">
               <a:rPr lang="en-US" smtClean="0"/>
-              <a:t>11/11/17</a:t>
+              <a:t>11/12/17</a:t>
             </a:fld>
             <a:endParaRPr lang="en-US"/>
           </a:p>
@@ -1463,7 +1463,7 @@
           <a:p>
             <a:fld id="{47C4DD9D-6B8F-4E4F-96DC-5796E87CD0A8}" type="datetimeFigureOut">
               <a:rPr lang="en-US" smtClean="0"/>
-              <a:t>11/11/17</a:t>
+              <a:t>11/12/17</a:t>
             </a:fld>
             <a:endParaRPr lang="en-US"/>
           </a:p>
@@ -1695,7 +1695,7 @@
           <a:p>
             <a:fld id="{47C4DD9D-6B8F-4E4F-96DC-5796E87CD0A8}" type="datetimeFigureOut">
               <a:rPr lang="en-US" smtClean="0"/>
-              <a:t>11/11/17</a:t>
+              <a:t>11/12/17</a:t>
             </a:fld>
             <a:endParaRPr lang="en-US"/>
           </a:p>
@@ -2062,7 +2062,7 @@
           <a:p>
             <a:fld id="{47C4DD9D-6B8F-4E4F-96DC-5796E87CD0A8}" type="datetimeFigureOut">
               <a:rPr lang="en-US" smtClean="0"/>
-              <a:t>11/11/17</a:t>
+              <a:t>11/12/17</a:t>
             </a:fld>
             <a:endParaRPr lang="en-US"/>
           </a:p>
@@ -2180,7 +2180,7 @@
           <a:p>
             <a:fld id="{47C4DD9D-6B8F-4E4F-96DC-5796E87CD0A8}" type="datetimeFigureOut">
               <a:rPr lang="en-US" smtClean="0"/>
-              <a:t>11/11/17</a:t>
+              <a:t>11/12/17</a:t>
             </a:fld>
             <a:endParaRPr lang="en-US"/>
           </a:p>
@@ -2275,7 +2275,7 @@
           <a:p>
             <a:fld id="{47C4DD9D-6B8F-4E4F-96DC-5796E87CD0A8}" type="datetimeFigureOut">
               <a:rPr lang="en-US" smtClean="0"/>
-              <a:t>11/11/17</a:t>
+              <a:t>11/12/17</a:t>
             </a:fld>
             <a:endParaRPr lang="en-US"/>
           </a:p>
@@ -2552,7 +2552,7 @@
           <a:p>
             <a:fld id="{47C4DD9D-6B8F-4E4F-96DC-5796E87CD0A8}" type="datetimeFigureOut">
               <a:rPr lang="en-US" smtClean="0"/>
-              <a:t>11/11/17</a:t>
+              <a:t>11/12/17</a:t>
             </a:fld>
             <a:endParaRPr lang="en-US"/>
           </a:p>
@@ -2805,7 +2805,7 @@
           <a:p>
             <a:fld id="{47C4DD9D-6B8F-4E4F-96DC-5796E87CD0A8}" type="datetimeFigureOut">
               <a:rPr lang="en-US" smtClean="0"/>
-              <a:t>11/11/17</a:t>
+              <a:t>11/12/17</a:t>
             </a:fld>
             <a:endParaRPr lang="en-US"/>
           </a:p>
@@ -3018,7 +3018,7 @@
           <a:p>
             <a:fld id="{47C4DD9D-6B8F-4E4F-96DC-5796E87CD0A8}" type="datetimeFigureOut">
               <a:rPr lang="en-US" smtClean="0"/>
-              <a:t>11/11/17</a:t>
+              <a:t>11/12/17</a:t>
             </a:fld>
             <a:endParaRPr lang="en-US"/>
           </a:p>
@@ -4529,7 +4529,11 @@
           <a:p>
             <a:r>
               <a:rPr lang="en-US" sz="1400" dirty="0" smtClean="0"/>
-              <a:t>[Correct format]</a:t>
+              <a:t>[correct </a:t>
+            </a:r>
+            <a:r>
+              <a:rPr lang="en-US" sz="1400" dirty="0" smtClean="0"/>
+              <a:t>format]</a:t>
             </a:r>
             <a:endParaRPr lang="en-US" sz="1400" dirty="0"/>
           </a:p>
